--- a/djlee/cSharp/20220111/문제.pptx
+++ b/djlee/cSharp/20220111/문제.pptx
@@ -105,6 +105,11 @@
       </a:defRPr>
     </a:lvl9pPr>
   </p:defaultTextStyle>
+  <p:extLst>
+    <p:ext uri="{EFAFB233-063F-42B5-8137-9DF3F51BA10A}">
+      <p15:sldGuideLst xmlns:p15="http://schemas.microsoft.com/office/powerpoint/2012/main"/>
+    </p:ext>
+  </p:extLst>
 </p:presentation>
 </file>
 
@@ -3294,12 +3299,62 @@
               <a:t>스스로 </a:t>
             </a:r>
             <a:r>
-              <a:rPr lang="ko-KR" altLang="en-US" err="1" smtClean="0"/>
+              <a:rPr lang="ko-KR" altLang="en-US" dirty="0" err="1" smtClean="0"/>
               <a:t>알고리즘짜서</a:t>
             </a:r>
             <a:r>
-              <a:rPr lang="ko-KR" altLang="en-US" smtClean="0"/>
-              <a:t> 해보기</a:t>
+              <a:rPr lang="ko-KR" altLang="en-US" dirty="0" smtClean="0"/>
+              <a:t> </a:t>
+            </a:r>
+            <a:r>
+              <a:rPr lang="ko-KR" altLang="en-US" dirty="0" smtClean="0"/>
+              <a:t>해보기</a:t>
+            </a:r>
+            <a:endParaRPr lang="en-US" altLang="ko-KR" dirty="0" smtClean="0"/>
+          </a:p>
+          <a:p>
+            <a:pPr marL="457200" lvl="1" indent="0">
+              <a:buNone/>
+            </a:pPr>
+            <a:r>
+              <a:rPr lang="en-US" altLang="ko-KR" dirty="0"/>
+              <a:t>	</a:t>
+            </a:r>
+            <a:r>
+              <a:rPr lang="en-US" altLang="ko-KR" dirty="0" smtClean="0"/>
+              <a:t>- </a:t>
+            </a:r>
+            <a:r>
+              <a:rPr lang="ko-KR" altLang="en-US" dirty="0" smtClean="0"/>
+              <a:t>혹은 기존의 알고리즘 참고해도 됨</a:t>
+            </a:r>
+            <a:r>
+              <a:rPr lang="en-US" altLang="ko-KR" dirty="0" smtClean="0"/>
+              <a:t>(</a:t>
+            </a:r>
+            <a:r>
+              <a:rPr lang="ko-KR" altLang="en-US" dirty="0" err="1" smtClean="0"/>
+              <a:t>버블정렬</a:t>
+            </a:r>
+            <a:r>
+              <a:rPr lang="en-US" altLang="ko-KR" dirty="0" smtClean="0"/>
+              <a:t>, </a:t>
+            </a:r>
+            <a:r>
+              <a:rPr lang="ko-KR" altLang="en-US" dirty="0" err="1" smtClean="0"/>
+              <a:t>선택정렬</a:t>
+            </a:r>
+            <a:r>
+              <a:rPr lang="en-US" altLang="ko-KR" dirty="0" smtClean="0"/>
+              <a:t>, </a:t>
+            </a:r>
+            <a:r>
+              <a:rPr lang="ko-KR" altLang="en-US" dirty="0" err="1" smtClean="0"/>
+              <a:t>퀵정렬등</a:t>
+            </a:r>
+            <a:r>
+              <a:rPr lang="en-US" altLang="ko-KR" smtClean="0"/>
+              <a:t>)</a:t>
             </a:r>
             <a:endParaRPr lang="ko-KR" altLang="en-US" dirty="0"/>
           </a:p>
